--- a/MOD05_Variables_tipo_referencia/01 Presentacion/INFO2_MOD05-Variables_Tipo_Referencia.pptx
+++ b/MOD05_Variables_tipo_referencia/01 Presentacion/INFO2_MOD05-Variables_Tipo_Referencia.pptx
@@ -37,7 +37,7 @@
   <p:notesSz cx="6858000" cy="9144000"/>
   <p:embeddedFontLst>
     <p:embeddedFont>
-      <p:font typeface="Cascadia Code" panose="00000509000000000000" pitchFamily="49" charset="0"/>
+      <p:font typeface="Cascadia Code" panose="020B0509020204030204" pitchFamily="49" charset="0"/>
       <p:regular r:id="rId27"/>
     </p:embeddedFont>
     <p:embeddedFont>
@@ -11767,8 +11767,8 @@
         </p:nvSpPr>
         <p:spPr>
           <a:xfrm>
-            <a:off x="4356538" y="813080"/>
-            <a:ext cx="4573568" cy="1938992"/>
+            <a:off x="4070182" y="475777"/>
+            <a:ext cx="4573568" cy="2308324"/>
           </a:xfrm>
           <a:prstGeom prst="rect">
             <a:avLst/>
@@ -11780,6 +11780,22 @@
             <a:spAutoFit/>
           </a:bodyPr>
           <a:lstStyle/>
+          <a:p>
+            <a:pPr marL="457200" indent="-457200">
+              <a:buFont typeface="+mj-lt"/>
+              <a:buAutoNum type="arabicPeriod"/>
+            </a:pPr>
+            <a:r>
+              <a:rPr lang="es-MX" sz="2400" dirty="0">
+                <a:solidFill>
+                  <a:schemeClr val="bg2"/>
+                </a:solidFill>
+                <a:latin typeface="Cascadia Code" panose="00000509000000000000" pitchFamily="49" charset="0"/>
+                <a:ea typeface="Roboto" panose="02000000000000000000" pitchFamily="2" charset="0"/>
+              </a:rPr>
+              <a:t>Modificador de acceso</a:t>
+            </a:r>
+          </a:p>
           <a:p>
             <a:pPr marL="457200" indent="-457200">
               <a:buFont typeface="+mj-lt"/>
@@ -11867,7 +11883,7 @@
         </p:nvSpPr>
         <p:spPr>
           <a:xfrm>
-            <a:off x="4419556" y="305282"/>
+            <a:off x="4070182" y="14112"/>
             <a:ext cx="2573140" cy="461665"/>
           </a:xfrm>
           <a:prstGeom prst="rect">
